--- a/ppt 16-9/1139.橄榄山前一别.pptx
+++ b/ppt 16-9/1139.橄榄山前一别.pptx
@@ -129,7 +129,7 @@
           <p:cNvPr id="2" name="标题 1">
             <a:extLst>
               <a:ext uri="{FF2B5EF4-FFF2-40B4-BE49-F238E27FC236}">
-                <a16:creationId xmlns:a16="http://schemas.microsoft.com/office/drawing/2014/main" id="{8D071BED-944E-8222-9C8D-DAEAEEA3B45D}"/>
+                <a16:creationId xmlns:a16="http://schemas.microsoft.com/office/drawing/2014/main" id="{8DB6BB9D-AAF5-A42F-3CF8-3AD135B44853}"/>
               </a:ext>
             </a:extLst>
           </p:cNvPr>
@@ -166,7 +166,7 @@
           <p:cNvPr id="3" name="副标题 2">
             <a:extLst>
               <a:ext uri="{FF2B5EF4-FFF2-40B4-BE49-F238E27FC236}">
-                <a16:creationId xmlns:a16="http://schemas.microsoft.com/office/drawing/2014/main" id="{948D7AA1-17BD-F6B7-7C32-DDEF0F30E4EF}"/>
+                <a16:creationId xmlns:a16="http://schemas.microsoft.com/office/drawing/2014/main" id="{52A3A27E-EE3C-BACC-A19D-581FFB6D0023}"/>
               </a:ext>
             </a:extLst>
           </p:cNvPr>
@@ -236,7 +236,7 @@
           <p:cNvPr id="4" name="日期占位符 3">
             <a:extLst>
               <a:ext uri="{FF2B5EF4-FFF2-40B4-BE49-F238E27FC236}">
-                <a16:creationId xmlns:a16="http://schemas.microsoft.com/office/drawing/2014/main" id="{A79D5983-5F26-E9E7-7BF2-F6E88D9BB250}"/>
+                <a16:creationId xmlns:a16="http://schemas.microsoft.com/office/drawing/2014/main" id="{D6AEC2BA-972A-68F7-8737-A73E7F816029}"/>
               </a:ext>
             </a:extLst>
           </p:cNvPr>
@@ -252,7 +252,7 @@
           <a:bodyPr/>
           <a:lstStyle/>
           <a:p>
-            <a:fld id="{19C5EC51-96A1-4287-945A-6ABE90650A49}" type="datetimeFigureOut">
+            <a:fld id="{4C991BD7-FC54-4E11-A0F8-353025336ADA}" type="datetimeFigureOut">
               <a:rPr lang="zh-CN" altLang="en-US" smtClean="0"/>
               <a:t>2024/3/10</a:t>
             </a:fld>
@@ -265,7 +265,7 @@
           <p:cNvPr id="5" name="页脚占位符 4">
             <a:extLst>
               <a:ext uri="{FF2B5EF4-FFF2-40B4-BE49-F238E27FC236}">
-                <a16:creationId xmlns:a16="http://schemas.microsoft.com/office/drawing/2014/main" id="{161F5535-6586-050E-474A-5425EA100A54}"/>
+                <a16:creationId xmlns:a16="http://schemas.microsoft.com/office/drawing/2014/main" id="{1D338715-61FA-4E9A-D3E9-E784FE741280}"/>
               </a:ext>
             </a:extLst>
           </p:cNvPr>
@@ -290,7 +290,7 @@
           <p:cNvPr id="6" name="灯片编号占位符 5">
             <a:extLst>
               <a:ext uri="{FF2B5EF4-FFF2-40B4-BE49-F238E27FC236}">
-                <a16:creationId xmlns:a16="http://schemas.microsoft.com/office/drawing/2014/main" id="{D4F597BA-2E7E-E180-C0FD-95F252151F19}"/>
+                <a16:creationId xmlns:a16="http://schemas.microsoft.com/office/drawing/2014/main" id="{64F05BD7-0442-4ECF-5EF1-6C8A2E19C00D}"/>
               </a:ext>
             </a:extLst>
           </p:cNvPr>
@@ -306,7 +306,7 @@
           <a:bodyPr/>
           <a:lstStyle/>
           <a:p>
-            <a:fld id="{772DB3A2-6B44-4E9D-A8AF-0D848670D527}" type="slidenum">
+            <a:fld id="{6530011B-F1F8-44E5-BBF4-29A3DBA71135}" type="slidenum">
               <a:rPr lang="zh-CN" altLang="en-US" smtClean="0"/>
               <a:t>‹#›</a:t>
             </a:fld>
@@ -317,7 +317,7 @@
     </p:spTree>
     <p:extLst>
       <p:ext uri="{BB962C8B-B14F-4D97-AF65-F5344CB8AC3E}">
-        <p14:creationId xmlns:p14="http://schemas.microsoft.com/office/powerpoint/2010/main" val="3105410053"/>
+        <p14:creationId xmlns:p14="http://schemas.microsoft.com/office/powerpoint/2010/main" val="1458413515"/>
       </p:ext>
     </p:extLst>
   </p:cSld>
@@ -349,7 +349,7 @@
           <p:cNvPr id="2" name="标题 1">
             <a:extLst>
               <a:ext uri="{FF2B5EF4-FFF2-40B4-BE49-F238E27FC236}">
-                <a16:creationId xmlns:a16="http://schemas.microsoft.com/office/drawing/2014/main" id="{7EC2CC40-DD60-6C7B-0A8F-CDDF41C0A283}"/>
+                <a16:creationId xmlns:a16="http://schemas.microsoft.com/office/drawing/2014/main" id="{5FBFD807-C649-BC9F-CCD9-9594D1AEC19E}"/>
               </a:ext>
             </a:extLst>
           </p:cNvPr>
@@ -377,7 +377,7 @@
           <p:cNvPr id="3" name="竖排文字占位符 2">
             <a:extLst>
               <a:ext uri="{FF2B5EF4-FFF2-40B4-BE49-F238E27FC236}">
-                <a16:creationId xmlns:a16="http://schemas.microsoft.com/office/drawing/2014/main" id="{1A075990-E1F8-C807-8F24-B8DE546B045B}"/>
+                <a16:creationId xmlns:a16="http://schemas.microsoft.com/office/drawing/2014/main" id="{9BCB26FD-D2A0-B716-9DC5-DD0285A8D393}"/>
               </a:ext>
             </a:extLst>
           </p:cNvPr>
@@ -434,7 +434,7 @@
           <p:cNvPr id="4" name="日期占位符 3">
             <a:extLst>
               <a:ext uri="{FF2B5EF4-FFF2-40B4-BE49-F238E27FC236}">
-                <a16:creationId xmlns:a16="http://schemas.microsoft.com/office/drawing/2014/main" id="{C7832008-AC97-534B-9325-F5268BD175DB}"/>
+                <a16:creationId xmlns:a16="http://schemas.microsoft.com/office/drawing/2014/main" id="{135E658A-0549-12D6-A08A-E1E5B4430A51}"/>
               </a:ext>
             </a:extLst>
           </p:cNvPr>
@@ -450,7 +450,7 @@
           <a:bodyPr/>
           <a:lstStyle/>
           <a:p>
-            <a:fld id="{19C5EC51-96A1-4287-945A-6ABE90650A49}" type="datetimeFigureOut">
+            <a:fld id="{4C991BD7-FC54-4E11-A0F8-353025336ADA}" type="datetimeFigureOut">
               <a:rPr lang="zh-CN" altLang="en-US" smtClean="0"/>
               <a:t>2024/3/10</a:t>
             </a:fld>
@@ -463,7 +463,7 @@
           <p:cNvPr id="5" name="页脚占位符 4">
             <a:extLst>
               <a:ext uri="{FF2B5EF4-FFF2-40B4-BE49-F238E27FC236}">
-                <a16:creationId xmlns:a16="http://schemas.microsoft.com/office/drawing/2014/main" id="{BA2924F9-F51F-786F-D26A-942171DFE2F8}"/>
+                <a16:creationId xmlns:a16="http://schemas.microsoft.com/office/drawing/2014/main" id="{2A21BE79-BFAE-C781-DF92-7859E28B5129}"/>
               </a:ext>
             </a:extLst>
           </p:cNvPr>
@@ -488,7 +488,7 @@
           <p:cNvPr id="6" name="灯片编号占位符 5">
             <a:extLst>
               <a:ext uri="{FF2B5EF4-FFF2-40B4-BE49-F238E27FC236}">
-                <a16:creationId xmlns:a16="http://schemas.microsoft.com/office/drawing/2014/main" id="{281A0FDD-BB49-EE8E-1B27-1E00C68B1E13}"/>
+                <a16:creationId xmlns:a16="http://schemas.microsoft.com/office/drawing/2014/main" id="{DBEEA3C6-6FC4-F79D-4953-473771D72355}"/>
               </a:ext>
             </a:extLst>
           </p:cNvPr>
@@ -504,7 +504,7 @@
           <a:bodyPr/>
           <a:lstStyle/>
           <a:p>
-            <a:fld id="{772DB3A2-6B44-4E9D-A8AF-0D848670D527}" type="slidenum">
+            <a:fld id="{6530011B-F1F8-44E5-BBF4-29A3DBA71135}" type="slidenum">
               <a:rPr lang="zh-CN" altLang="en-US" smtClean="0"/>
               <a:t>‹#›</a:t>
             </a:fld>
@@ -515,7 +515,7 @@
     </p:spTree>
     <p:extLst>
       <p:ext uri="{BB962C8B-B14F-4D97-AF65-F5344CB8AC3E}">
-        <p14:creationId xmlns:p14="http://schemas.microsoft.com/office/powerpoint/2010/main" val="1818149596"/>
+        <p14:creationId xmlns:p14="http://schemas.microsoft.com/office/powerpoint/2010/main" val="2101351380"/>
       </p:ext>
     </p:extLst>
   </p:cSld>
@@ -547,7 +547,7 @@
           <p:cNvPr id="2" name="竖排标题 1">
             <a:extLst>
               <a:ext uri="{FF2B5EF4-FFF2-40B4-BE49-F238E27FC236}">
-                <a16:creationId xmlns:a16="http://schemas.microsoft.com/office/drawing/2014/main" id="{7692A34A-309E-E37A-5331-38A74BCA693B}"/>
+                <a16:creationId xmlns:a16="http://schemas.microsoft.com/office/drawing/2014/main" id="{4CBC9E9E-DCF8-FD90-B435-B6C81BB81BB2}"/>
               </a:ext>
             </a:extLst>
           </p:cNvPr>
@@ -580,7 +580,7 @@
           <p:cNvPr id="3" name="竖排文字占位符 2">
             <a:extLst>
               <a:ext uri="{FF2B5EF4-FFF2-40B4-BE49-F238E27FC236}">
-                <a16:creationId xmlns:a16="http://schemas.microsoft.com/office/drawing/2014/main" id="{8A16EB02-9D21-2FD6-2A80-46AFC374948A}"/>
+                <a16:creationId xmlns:a16="http://schemas.microsoft.com/office/drawing/2014/main" id="{BCA40930-FCD9-AC5F-65A6-CD37CE72BEFE}"/>
               </a:ext>
             </a:extLst>
           </p:cNvPr>
@@ -642,7 +642,7 @@
           <p:cNvPr id="4" name="日期占位符 3">
             <a:extLst>
               <a:ext uri="{FF2B5EF4-FFF2-40B4-BE49-F238E27FC236}">
-                <a16:creationId xmlns:a16="http://schemas.microsoft.com/office/drawing/2014/main" id="{B2B2F7D7-BA20-D418-5C89-6E5A279CAC17}"/>
+                <a16:creationId xmlns:a16="http://schemas.microsoft.com/office/drawing/2014/main" id="{B2B3389C-4AAD-F323-F04D-24EFF838CE69}"/>
               </a:ext>
             </a:extLst>
           </p:cNvPr>
@@ -658,7 +658,7 @@
           <a:bodyPr/>
           <a:lstStyle/>
           <a:p>
-            <a:fld id="{19C5EC51-96A1-4287-945A-6ABE90650A49}" type="datetimeFigureOut">
+            <a:fld id="{4C991BD7-FC54-4E11-A0F8-353025336ADA}" type="datetimeFigureOut">
               <a:rPr lang="zh-CN" altLang="en-US" smtClean="0"/>
               <a:t>2024/3/10</a:t>
             </a:fld>
@@ -671,7 +671,7 @@
           <p:cNvPr id="5" name="页脚占位符 4">
             <a:extLst>
               <a:ext uri="{FF2B5EF4-FFF2-40B4-BE49-F238E27FC236}">
-                <a16:creationId xmlns:a16="http://schemas.microsoft.com/office/drawing/2014/main" id="{893476B7-7E85-9C76-D338-E90DA313C09D}"/>
+                <a16:creationId xmlns:a16="http://schemas.microsoft.com/office/drawing/2014/main" id="{30455A11-C12C-A907-21F1-DF69E4FD2760}"/>
               </a:ext>
             </a:extLst>
           </p:cNvPr>
@@ -696,7 +696,7 @@
           <p:cNvPr id="6" name="灯片编号占位符 5">
             <a:extLst>
               <a:ext uri="{FF2B5EF4-FFF2-40B4-BE49-F238E27FC236}">
-                <a16:creationId xmlns:a16="http://schemas.microsoft.com/office/drawing/2014/main" id="{3E14E67F-F87F-2542-1F0D-55B06563B8BD}"/>
+                <a16:creationId xmlns:a16="http://schemas.microsoft.com/office/drawing/2014/main" id="{12B78291-C1D8-C410-A528-2AC027AB5D46}"/>
               </a:ext>
             </a:extLst>
           </p:cNvPr>
@@ -712,7 +712,7 @@
           <a:bodyPr/>
           <a:lstStyle/>
           <a:p>
-            <a:fld id="{772DB3A2-6B44-4E9D-A8AF-0D848670D527}" type="slidenum">
+            <a:fld id="{6530011B-F1F8-44E5-BBF4-29A3DBA71135}" type="slidenum">
               <a:rPr lang="zh-CN" altLang="en-US" smtClean="0"/>
               <a:t>‹#›</a:t>
             </a:fld>
@@ -723,7 +723,7 @@
     </p:spTree>
     <p:extLst>
       <p:ext uri="{BB962C8B-B14F-4D97-AF65-F5344CB8AC3E}">
-        <p14:creationId xmlns:p14="http://schemas.microsoft.com/office/powerpoint/2010/main" val="1075012434"/>
+        <p14:creationId xmlns:p14="http://schemas.microsoft.com/office/powerpoint/2010/main" val="1557280811"/>
       </p:ext>
     </p:extLst>
   </p:cSld>
@@ -755,7 +755,7 @@
           <p:cNvPr id="2" name="标题 1">
             <a:extLst>
               <a:ext uri="{FF2B5EF4-FFF2-40B4-BE49-F238E27FC236}">
-                <a16:creationId xmlns:a16="http://schemas.microsoft.com/office/drawing/2014/main" id="{A7D635DC-E6DB-0BC5-9AD7-F779489D1899}"/>
+                <a16:creationId xmlns:a16="http://schemas.microsoft.com/office/drawing/2014/main" id="{A335C2C9-2675-91B0-8B80-B5C0F4B1AA45}"/>
               </a:ext>
             </a:extLst>
           </p:cNvPr>
@@ -783,7 +783,7 @@
           <p:cNvPr id="3" name="内容占位符 2">
             <a:extLst>
               <a:ext uri="{FF2B5EF4-FFF2-40B4-BE49-F238E27FC236}">
-                <a16:creationId xmlns:a16="http://schemas.microsoft.com/office/drawing/2014/main" id="{0A185795-D175-11F1-5F11-ACDDCA4CA8FA}"/>
+                <a16:creationId xmlns:a16="http://schemas.microsoft.com/office/drawing/2014/main" id="{AD9DF6B2-CAB0-FC05-4678-8F452537583E}"/>
               </a:ext>
             </a:extLst>
           </p:cNvPr>
@@ -840,7 +840,7 @@
           <p:cNvPr id="4" name="日期占位符 3">
             <a:extLst>
               <a:ext uri="{FF2B5EF4-FFF2-40B4-BE49-F238E27FC236}">
-                <a16:creationId xmlns:a16="http://schemas.microsoft.com/office/drawing/2014/main" id="{23B50EEF-FB05-B3D9-F8AB-A6BDCD0A021C}"/>
+                <a16:creationId xmlns:a16="http://schemas.microsoft.com/office/drawing/2014/main" id="{8B21B57A-F9FF-0574-2BC3-3FE50ACF06CE}"/>
               </a:ext>
             </a:extLst>
           </p:cNvPr>
@@ -856,7 +856,7 @@
           <a:bodyPr/>
           <a:lstStyle/>
           <a:p>
-            <a:fld id="{19C5EC51-96A1-4287-945A-6ABE90650A49}" type="datetimeFigureOut">
+            <a:fld id="{4C991BD7-FC54-4E11-A0F8-353025336ADA}" type="datetimeFigureOut">
               <a:rPr lang="zh-CN" altLang="en-US" smtClean="0"/>
               <a:t>2024/3/10</a:t>
             </a:fld>
@@ -869,7 +869,7 @@
           <p:cNvPr id="5" name="页脚占位符 4">
             <a:extLst>
               <a:ext uri="{FF2B5EF4-FFF2-40B4-BE49-F238E27FC236}">
-                <a16:creationId xmlns:a16="http://schemas.microsoft.com/office/drawing/2014/main" id="{DD7EA6A0-4E03-946A-3B73-02E2B078243C}"/>
+                <a16:creationId xmlns:a16="http://schemas.microsoft.com/office/drawing/2014/main" id="{B9C49A12-0974-6BFA-E260-BAEC2F64E962}"/>
               </a:ext>
             </a:extLst>
           </p:cNvPr>
@@ -894,7 +894,7 @@
           <p:cNvPr id="6" name="灯片编号占位符 5">
             <a:extLst>
               <a:ext uri="{FF2B5EF4-FFF2-40B4-BE49-F238E27FC236}">
-                <a16:creationId xmlns:a16="http://schemas.microsoft.com/office/drawing/2014/main" id="{95C310FC-F4AE-EB93-35DD-53B7C6846AE6}"/>
+                <a16:creationId xmlns:a16="http://schemas.microsoft.com/office/drawing/2014/main" id="{01ECC7AE-1480-B617-0B63-E4D21A47FA9B}"/>
               </a:ext>
             </a:extLst>
           </p:cNvPr>
@@ -910,7 +910,7 @@
           <a:bodyPr/>
           <a:lstStyle/>
           <a:p>
-            <a:fld id="{772DB3A2-6B44-4E9D-A8AF-0D848670D527}" type="slidenum">
+            <a:fld id="{6530011B-F1F8-44E5-BBF4-29A3DBA71135}" type="slidenum">
               <a:rPr lang="zh-CN" altLang="en-US" smtClean="0"/>
               <a:t>‹#›</a:t>
             </a:fld>
@@ -921,7 +921,7 @@
     </p:spTree>
     <p:extLst>
       <p:ext uri="{BB962C8B-B14F-4D97-AF65-F5344CB8AC3E}">
-        <p14:creationId xmlns:p14="http://schemas.microsoft.com/office/powerpoint/2010/main" val="2544216872"/>
+        <p14:creationId xmlns:p14="http://schemas.microsoft.com/office/powerpoint/2010/main" val="2722240085"/>
       </p:ext>
     </p:extLst>
   </p:cSld>
@@ -953,7 +953,7 @@
           <p:cNvPr id="2" name="标题 1">
             <a:extLst>
               <a:ext uri="{FF2B5EF4-FFF2-40B4-BE49-F238E27FC236}">
-                <a16:creationId xmlns:a16="http://schemas.microsoft.com/office/drawing/2014/main" id="{8349476C-49A1-7F04-5586-CEDA6EE87257}"/>
+                <a16:creationId xmlns:a16="http://schemas.microsoft.com/office/drawing/2014/main" id="{E5DAB998-7197-330A-2D12-8306EEDC8FCA}"/>
               </a:ext>
             </a:extLst>
           </p:cNvPr>
@@ -990,7 +990,7 @@
           <p:cNvPr id="3" name="文本占位符 2">
             <a:extLst>
               <a:ext uri="{FF2B5EF4-FFF2-40B4-BE49-F238E27FC236}">
-                <a16:creationId xmlns:a16="http://schemas.microsoft.com/office/drawing/2014/main" id="{E928C0E8-F82D-BF14-FCB8-2E30CFF4FD92}"/>
+                <a16:creationId xmlns:a16="http://schemas.microsoft.com/office/drawing/2014/main" id="{25176B14-180A-FC8B-65A9-D8C7B65355AF}"/>
               </a:ext>
             </a:extLst>
           </p:cNvPr>
@@ -1115,7 +1115,7 @@
           <p:cNvPr id="4" name="日期占位符 3">
             <a:extLst>
               <a:ext uri="{FF2B5EF4-FFF2-40B4-BE49-F238E27FC236}">
-                <a16:creationId xmlns:a16="http://schemas.microsoft.com/office/drawing/2014/main" id="{E58A97A8-825D-07D9-5B6C-C73DA4542019}"/>
+                <a16:creationId xmlns:a16="http://schemas.microsoft.com/office/drawing/2014/main" id="{D99954DA-1ACC-12FA-F334-1A7050D5D23F}"/>
               </a:ext>
             </a:extLst>
           </p:cNvPr>
@@ -1131,7 +1131,7 @@
           <a:bodyPr/>
           <a:lstStyle/>
           <a:p>
-            <a:fld id="{19C5EC51-96A1-4287-945A-6ABE90650A49}" type="datetimeFigureOut">
+            <a:fld id="{4C991BD7-FC54-4E11-A0F8-353025336ADA}" type="datetimeFigureOut">
               <a:rPr lang="zh-CN" altLang="en-US" smtClean="0"/>
               <a:t>2024/3/10</a:t>
             </a:fld>
@@ -1144,7 +1144,7 @@
           <p:cNvPr id="5" name="页脚占位符 4">
             <a:extLst>
               <a:ext uri="{FF2B5EF4-FFF2-40B4-BE49-F238E27FC236}">
-                <a16:creationId xmlns:a16="http://schemas.microsoft.com/office/drawing/2014/main" id="{60DE2D38-7D19-7EF4-3ADC-10D034784916}"/>
+                <a16:creationId xmlns:a16="http://schemas.microsoft.com/office/drawing/2014/main" id="{9B2D0023-44D3-311C-BCB5-BAA1DBB75BAD}"/>
               </a:ext>
             </a:extLst>
           </p:cNvPr>
@@ -1169,7 +1169,7 @@
           <p:cNvPr id="6" name="灯片编号占位符 5">
             <a:extLst>
               <a:ext uri="{FF2B5EF4-FFF2-40B4-BE49-F238E27FC236}">
-                <a16:creationId xmlns:a16="http://schemas.microsoft.com/office/drawing/2014/main" id="{8D7E3384-FBC1-2580-75AC-6588DA847FC5}"/>
+                <a16:creationId xmlns:a16="http://schemas.microsoft.com/office/drawing/2014/main" id="{3FF79522-C3A7-9162-FA87-483CEC4591AC}"/>
               </a:ext>
             </a:extLst>
           </p:cNvPr>
@@ -1185,7 +1185,7 @@
           <a:bodyPr/>
           <a:lstStyle/>
           <a:p>
-            <a:fld id="{772DB3A2-6B44-4E9D-A8AF-0D848670D527}" type="slidenum">
+            <a:fld id="{6530011B-F1F8-44E5-BBF4-29A3DBA71135}" type="slidenum">
               <a:rPr lang="zh-CN" altLang="en-US" smtClean="0"/>
               <a:t>‹#›</a:t>
             </a:fld>
@@ -1196,7 +1196,7 @@
     </p:spTree>
     <p:extLst>
       <p:ext uri="{BB962C8B-B14F-4D97-AF65-F5344CB8AC3E}">
-        <p14:creationId xmlns:p14="http://schemas.microsoft.com/office/powerpoint/2010/main" val="938585205"/>
+        <p14:creationId xmlns:p14="http://schemas.microsoft.com/office/powerpoint/2010/main" val="3242541056"/>
       </p:ext>
     </p:extLst>
   </p:cSld>
@@ -1228,7 +1228,7 @@
           <p:cNvPr id="2" name="标题 1">
             <a:extLst>
               <a:ext uri="{FF2B5EF4-FFF2-40B4-BE49-F238E27FC236}">
-                <a16:creationId xmlns:a16="http://schemas.microsoft.com/office/drawing/2014/main" id="{A7BE95D8-90B2-7AD5-7A2C-AA46D078EE25}"/>
+                <a16:creationId xmlns:a16="http://schemas.microsoft.com/office/drawing/2014/main" id="{23497DD5-03AB-C6A1-DD88-585412307E69}"/>
               </a:ext>
             </a:extLst>
           </p:cNvPr>
@@ -1256,7 +1256,7 @@
           <p:cNvPr id="3" name="内容占位符 2">
             <a:extLst>
               <a:ext uri="{FF2B5EF4-FFF2-40B4-BE49-F238E27FC236}">
-                <a16:creationId xmlns:a16="http://schemas.microsoft.com/office/drawing/2014/main" id="{50E362B7-A48E-E898-1FC6-5990C4FE0F79}"/>
+                <a16:creationId xmlns:a16="http://schemas.microsoft.com/office/drawing/2014/main" id="{DED6D2E5-7EDB-B84F-AB85-1798EAEBC303}"/>
               </a:ext>
             </a:extLst>
           </p:cNvPr>
@@ -1318,7 +1318,7 @@
           <p:cNvPr id="4" name="内容占位符 3">
             <a:extLst>
               <a:ext uri="{FF2B5EF4-FFF2-40B4-BE49-F238E27FC236}">
-                <a16:creationId xmlns:a16="http://schemas.microsoft.com/office/drawing/2014/main" id="{DE2EA436-8190-9548-34B8-26A3A7C25272}"/>
+                <a16:creationId xmlns:a16="http://schemas.microsoft.com/office/drawing/2014/main" id="{E6D3F2AD-9C66-C5D7-8175-83895E089F81}"/>
               </a:ext>
             </a:extLst>
           </p:cNvPr>
@@ -1380,7 +1380,7 @@
           <p:cNvPr id="5" name="日期占位符 4">
             <a:extLst>
               <a:ext uri="{FF2B5EF4-FFF2-40B4-BE49-F238E27FC236}">
-                <a16:creationId xmlns:a16="http://schemas.microsoft.com/office/drawing/2014/main" id="{77EE23E6-66F7-3DC3-A567-06352FD73526}"/>
+                <a16:creationId xmlns:a16="http://schemas.microsoft.com/office/drawing/2014/main" id="{585D2747-76CE-0E10-984A-6F1803F85EE4}"/>
               </a:ext>
             </a:extLst>
           </p:cNvPr>
@@ -1396,7 +1396,7 @@
           <a:bodyPr/>
           <a:lstStyle/>
           <a:p>
-            <a:fld id="{19C5EC51-96A1-4287-945A-6ABE90650A49}" type="datetimeFigureOut">
+            <a:fld id="{4C991BD7-FC54-4E11-A0F8-353025336ADA}" type="datetimeFigureOut">
               <a:rPr lang="zh-CN" altLang="en-US" smtClean="0"/>
               <a:t>2024/3/10</a:t>
             </a:fld>
@@ -1409,7 +1409,7 @@
           <p:cNvPr id="6" name="页脚占位符 5">
             <a:extLst>
               <a:ext uri="{FF2B5EF4-FFF2-40B4-BE49-F238E27FC236}">
-                <a16:creationId xmlns:a16="http://schemas.microsoft.com/office/drawing/2014/main" id="{44DF0909-C4EF-8C39-AD9E-794DF38E0AAF}"/>
+                <a16:creationId xmlns:a16="http://schemas.microsoft.com/office/drawing/2014/main" id="{39BB380B-BEEF-DCE6-E920-FD0F50070364}"/>
               </a:ext>
             </a:extLst>
           </p:cNvPr>
@@ -1434,7 +1434,7 @@
           <p:cNvPr id="7" name="灯片编号占位符 6">
             <a:extLst>
               <a:ext uri="{FF2B5EF4-FFF2-40B4-BE49-F238E27FC236}">
-                <a16:creationId xmlns:a16="http://schemas.microsoft.com/office/drawing/2014/main" id="{7ACA8643-91DC-5306-D220-B094299F111A}"/>
+                <a16:creationId xmlns:a16="http://schemas.microsoft.com/office/drawing/2014/main" id="{9B9A2128-D824-BC12-A5EE-B13813E9F379}"/>
               </a:ext>
             </a:extLst>
           </p:cNvPr>
@@ -1450,7 +1450,7 @@
           <a:bodyPr/>
           <a:lstStyle/>
           <a:p>
-            <a:fld id="{772DB3A2-6B44-4E9D-A8AF-0D848670D527}" type="slidenum">
+            <a:fld id="{6530011B-F1F8-44E5-BBF4-29A3DBA71135}" type="slidenum">
               <a:rPr lang="zh-CN" altLang="en-US" smtClean="0"/>
               <a:t>‹#›</a:t>
             </a:fld>
@@ -1461,7 +1461,7 @@
     </p:spTree>
     <p:extLst>
       <p:ext uri="{BB962C8B-B14F-4D97-AF65-F5344CB8AC3E}">
-        <p14:creationId xmlns:p14="http://schemas.microsoft.com/office/powerpoint/2010/main" val="1074690394"/>
+        <p14:creationId xmlns:p14="http://schemas.microsoft.com/office/powerpoint/2010/main" val="3421944425"/>
       </p:ext>
     </p:extLst>
   </p:cSld>
@@ -1493,7 +1493,7 @@
           <p:cNvPr id="2" name="标题 1">
             <a:extLst>
               <a:ext uri="{FF2B5EF4-FFF2-40B4-BE49-F238E27FC236}">
-                <a16:creationId xmlns:a16="http://schemas.microsoft.com/office/drawing/2014/main" id="{6C3DC6C9-AAD6-F0C4-2FEE-711AD04913F3}"/>
+                <a16:creationId xmlns:a16="http://schemas.microsoft.com/office/drawing/2014/main" id="{869B6512-614C-7CE1-481E-8BD352E284AF}"/>
               </a:ext>
             </a:extLst>
           </p:cNvPr>
@@ -1526,7 +1526,7 @@
           <p:cNvPr id="3" name="文本占位符 2">
             <a:extLst>
               <a:ext uri="{FF2B5EF4-FFF2-40B4-BE49-F238E27FC236}">
-                <a16:creationId xmlns:a16="http://schemas.microsoft.com/office/drawing/2014/main" id="{D0CE97C5-2D57-4A1A-296B-14E9EC6BD9EF}"/>
+                <a16:creationId xmlns:a16="http://schemas.microsoft.com/office/drawing/2014/main" id="{AADF97C0-87E5-33D2-CDDA-522D05FDDDFB}"/>
               </a:ext>
             </a:extLst>
           </p:cNvPr>
@@ -1597,7 +1597,7 @@
           <p:cNvPr id="4" name="内容占位符 3">
             <a:extLst>
               <a:ext uri="{FF2B5EF4-FFF2-40B4-BE49-F238E27FC236}">
-                <a16:creationId xmlns:a16="http://schemas.microsoft.com/office/drawing/2014/main" id="{B343E797-9FDC-7CA3-55BE-2698A0A6684B}"/>
+                <a16:creationId xmlns:a16="http://schemas.microsoft.com/office/drawing/2014/main" id="{D3CF4B25-DBE5-02D4-DEBA-A1F21BCE2C65}"/>
               </a:ext>
             </a:extLst>
           </p:cNvPr>
@@ -1659,7 +1659,7 @@
           <p:cNvPr id="5" name="文本占位符 4">
             <a:extLst>
               <a:ext uri="{FF2B5EF4-FFF2-40B4-BE49-F238E27FC236}">
-                <a16:creationId xmlns:a16="http://schemas.microsoft.com/office/drawing/2014/main" id="{294F8EE5-7607-C4E5-18EA-3E6ACC3ADE83}"/>
+                <a16:creationId xmlns:a16="http://schemas.microsoft.com/office/drawing/2014/main" id="{0663B1C8-0B1A-79F0-6DFF-7757A65E7602}"/>
               </a:ext>
             </a:extLst>
           </p:cNvPr>
@@ -1730,7 +1730,7 @@
           <p:cNvPr id="6" name="内容占位符 5">
             <a:extLst>
               <a:ext uri="{FF2B5EF4-FFF2-40B4-BE49-F238E27FC236}">
-                <a16:creationId xmlns:a16="http://schemas.microsoft.com/office/drawing/2014/main" id="{72977C1D-A56E-5A28-06CC-64CBDB3AF99B}"/>
+                <a16:creationId xmlns:a16="http://schemas.microsoft.com/office/drawing/2014/main" id="{10CF8E71-A371-F1F9-4255-05BA7372B788}"/>
               </a:ext>
             </a:extLst>
           </p:cNvPr>
@@ -1792,7 +1792,7 @@
           <p:cNvPr id="7" name="日期占位符 6">
             <a:extLst>
               <a:ext uri="{FF2B5EF4-FFF2-40B4-BE49-F238E27FC236}">
-                <a16:creationId xmlns:a16="http://schemas.microsoft.com/office/drawing/2014/main" id="{E1EEEE2A-ADF0-1426-7E51-4F952D145847}"/>
+                <a16:creationId xmlns:a16="http://schemas.microsoft.com/office/drawing/2014/main" id="{A9F2A1CE-38FB-CA5B-C419-306502E68B89}"/>
               </a:ext>
             </a:extLst>
           </p:cNvPr>
@@ -1808,7 +1808,7 @@
           <a:bodyPr/>
           <a:lstStyle/>
           <a:p>
-            <a:fld id="{19C5EC51-96A1-4287-945A-6ABE90650A49}" type="datetimeFigureOut">
+            <a:fld id="{4C991BD7-FC54-4E11-A0F8-353025336ADA}" type="datetimeFigureOut">
               <a:rPr lang="zh-CN" altLang="en-US" smtClean="0"/>
               <a:t>2024/3/10</a:t>
             </a:fld>
@@ -1821,7 +1821,7 @@
           <p:cNvPr id="8" name="页脚占位符 7">
             <a:extLst>
               <a:ext uri="{FF2B5EF4-FFF2-40B4-BE49-F238E27FC236}">
-                <a16:creationId xmlns:a16="http://schemas.microsoft.com/office/drawing/2014/main" id="{7F0203F0-9F4E-529D-75A5-B4CE93593C42}"/>
+                <a16:creationId xmlns:a16="http://schemas.microsoft.com/office/drawing/2014/main" id="{82904175-B2EC-99C2-6FF8-04A20BCF87F2}"/>
               </a:ext>
             </a:extLst>
           </p:cNvPr>
@@ -1846,7 +1846,7 @@
           <p:cNvPr id="9" name="灯片编号占位符 8">
             <a:extLst>
               <a:ext uri="{FF2B5EF4-FFF2-40B4-BE49-F238E27FC236}">
-                <a16:creationId xmlns:a16="http://schemas.microsoft.com/office/drawing/2014/main" id="{BCA1DDBA-E676-DF31-B07A-74006DE16ADB}"/>
+                <a16:creationId xmlns:a16="http://schemas.microsoft.com/office/drawing/2014/main" id="{A78DED8C-177D-312A-AD35-2A8117927F9D}"/>
               </a:ext>
             </a:extLst>
           </p:cNvPr>
@@ -1862,7 +1862,7 @@
           <a:bodyPr/>
           <a:lstStyle/>
           <a:p>
-            <a:fld id="{772DB3A2-6B44-4E9D-A8AF-0D848670D527}" type="slidenum">
+            <a:fld id="{6530011B-F1F8-44E5-BBF4-29A3DBA71135}" type="slidenum">
               <a:rPr lang="zh-CN" altLang="en-US" smtClean="0"/>
               <a:t>‹#›</a:t>
             </a:fld>
@@ -1873,7 +1873,7 @@
     </p:spTree>
     <p:extLst>
       <p:ext uri="{BB962C8B-B14F-4D97-AF65-F5344CB8AC3E}">
-        <p14:creationId xmlns:p14="http://schemas.microsoft.com/office/powerpoint/2010/main" val="3345459712"/>
+        <p14:creationId xmlns:p14="http://schemas.microsoft.com/office/powerpoint/2010/main" val="2409360753"/>
       </p:ext>
     </p:extLst>
   </p:cSld>
@@ -1905,7 +1905,7 @@
           <p:cNvPr id="2" name="标题 1">
             <a:extLst>
               <a:ext uri="{FF2B5EF4-FFF2-40B4-BE49-F238E27FC236}">
-                <a16:creationId xmlns:a16="http://schemas.microsoft.com/office/drawing/2014/main" id="{CBBCD4F0-AC59-9DBC-975C-E77729EFC88D}"/>
+                <a16:creationId xmlns:a16="http://schemas.microsoft.com/office/drawing/2014/main" id="{BE4E4BC6-D4CB-828F-E367-B62F902613E9}"/>
               </a:ext>
             </a:extLst>
           </p:cNvPr>
@@ -1933,7 +1933,7 @@
           <p:cNvPr id="3" name="日期占位符 2">
             <a:extLst>
               <a:ext uri="{FF2B5EF4-FFF2-40B4-BE49-F238E27FC236}">
-                <a16:creationId xmlns:a16="http://schemas.microsoft.com/office/drawing/2014/main" id="{E605B4AD-876C-6905-0834-4C6F97BC7342}"/>
+                <a16:creationId xmlns:a16="http://schemas.microsoft.com/office/drawing/2014/main" id="{35B83605-4A92-5C27-98EB-006B8234BADE}"/>
               </a:ext>
             </a:extLst>
           </p:cNvPr>
@@ -1949,7 +1949,7 @@
           <a:bodyPr/>
           <a:lstStyle/>
           <a:p>
-            <a:fld id="{19C5EC51-96A1-4287-945A-6ABE90650A49}" type="datetimeFigureOut">
+            <a:fld id="{4C991BD7-FC54-4E11-A0F8-353025336ADA}" type="datetimeFigureOut">
               <a:rPr lang="zh-CN" altLang="en-US" smtClean="0"/>
               <a:t>2024/3/10</a:t>
             </a:fld>
@@ -1962,7 +1962,7 @@
           <p:cNvPr id="4" name="页脚占位符 3">
             <a:extLst>
               <a:ext uri="{FF2B5EF4-FFF2-40B4-BE49-F238E27FC236}">
-                <a16:creationId xmlns:a16="http://schemas.microsoft.com/office/drawing/2014/main" id="{427B617C-A05A-9D99-01C7-100BD430FA05}"/>
+                <a16:creationId xmlns:a16="http://schemas.microsoft.com/office/drawing/2014/main" id="{B3BE2628-D9CC-7DA1-6D64-48822A556D51}"/>
               </a:ext>
             </a:extLst>
           </p:cNvPr>
@@ -1987,7 +1987,7 @@
           <p:cNvPr id="5" name="灯片编号占位符 4">
             <a:extLst>
               <a:ext uri="{FF2B5EF4-FFF2-40B4-BE49-F238E27FC236}">
-                <a16:creationId xmlns:a16="http://schemas.microsoft.com/office/drawing/2014/main" id="{7034FD51-CE70-F9E6-2939-60B107B9367D}"/>
+                <a16:creationId xmlns:a16="http://schemas.microsoft.com/office/drawing/2014/main" id="{3F1FE7C1-5461-93F2-B335-FE8C9917F5EA}"/>
               </a:ext>
             </a:extLst>
           </p:cNvPr>
@@ -2003,7 +2003,7 @@
           <a:bodyPr/>
           <a:lstStyle/>
           <a:p>
-            <a:fld id="{772DB3A2-6B44-4E9D-A8AF-0D848670D527}" type="slidenum">
+            <a:fld id="{6530011B-F1F8-44E5-BBF4-29A3DBA71135}" type="slidenum">
               <a:rPr lang="zh-CN" altLang="en-US" smtClean="0"/>
               <a:t>‹#›</a:t>
             </a:fld>
@@ -2014,7 +2014,7 @@
     </p:spTree>
     <p:extLst>
       <p:ext uri="{BB962C8B-B14F-4D97-AF65-F5344CB8AC3E}">
-        <p14:creationId xmlns:p14="http://schemas.microsoft.com/office/powerpoint/2010/main" val="2155810687"/>
+        <p14:creationId xmlns:p14="http://schemas.microsoft.com/office/powerpoint/2010/main" val="969192016"/>
       </p:ext>
     </p:extLst>
   </p:cSld>
@@ -2046,7 +2046,7 @@
           <p:cNvPr id="2" name="日期占位符 1">
             <a:extLst>
               <a:ext uri="{FF2B5EF4-FFF2-40B4-BE49-F238E27FC236}">
-                <a16:creationId xmlns:a16="http://schemas.microsoft.com/office/drawing/2014/main" id="{0C241458-DFBC-2858-DE7F-4669E3A68B2C}"/>
+                <a16:creationId xmlns:a16="http://schemas.microsoft.com/office/drawing/2014/main" id="{7A17FABF-9648-7C9D-E017-BE6130B15E35}"/>
               </a:ext>
             </a:extLst>
           </p:cNvPr>
@@ -2062,7 +2062,7 @@
           <a:bodyPr/>
           <a:lstStyle/>
           <a:p>
-            <a:fld id="{19C5EC51-96A1-4287-945A-6ABE90650A49}" type="datetimeFigureOut">
+            <a:fld id="{4C991BD7-FC54-4E11-A0F8-353025336ADA}" type="datetimeFigureOut">
               <a:rPr lang="zh-CN" altLang="en-US" smtClean="0"/>
               <a:t>2024/3/10</a:t>
             </a:fld>
@@ -2075,7 +2075,7 @@
           <p:cNvPr id="3" name="页脚占位符 2">
             <a:extLst>
               <a:ext uri="{FF2B5EF4-FFF2-40B4-BE49-F238E27FC236}">
-                <a16:creationId xmlns:a16="http://schemas.microsoft.com/office/drawing/2014/main" id="{6733A1F9-F183-445F-0FB6-7C5A9A61F1A2}"/>
+                <a16:creationId xmlns:a16="http://schemas.microsoft.com/office/drawing/2014/main" id="{4369E42A-3B55-1E52-B611-5BC4648B0C6B}"/>
               </a:ext>
             </a:extLst>
           </p:cNvPr>
@@ -2100,7 +2100,7 @@
           <p:cNvPr id="4" name="灯片编号占位符 3">
             <a:extLst>
               <a:ext uri="{FF2B5EF4-FFF2-40B4-BE49-F238E27FC236}">
-                <a16:creationId xmlns:a16="http://schemas.microsoft.com/office/drawing/2014/main" id="{5B7D5948-3E70-B46C-315E-1944771F4D57}"/>
+                <a16:creationId xmlns:a16="http://schemas.microsoft.com/office/drawing/2014/main" id="{A3D92E76-C784-098A-73F8-08F98EB9FB58}"/>
               </a:ext>
             </a:extLst>
           </p:cNvPr>
@@ -2116,7 +2116,7 @@
           <a:bodyPr/>
           <a:lstStyle/>
           <a:p>
-            <a:fld id="{772DB3A2-6B44-4E9D-A8AF-0D848670D527}" type="slidenum">
+            <a:fld id="{6530011B-F1F8-44E5-BBF4-29A3DBA71135}" type="slidenum">
               <a:rPr lang="zh-CN" altLang="en-US" smtClean="0"/>
               <a:t>‹#›</a:t>
             </a:fld>
@@ -2127,7 +2127,7 @@
     </p:spTree>
     <p:extLst>
       <p:ext uri="{BB962C8B-B14F-4D97-AF65-F5344CB8AC3E}">
-        <p14:creationId xmlns:p14="http://schemas.microsoft.com/office/powerpoint/2010/main" val="2476021498"/>
+        <p14:creationId xmlns:p14="http://schemas.microsoft.com/office/powerpoint/2010/main" val="3288224732"/>
       </p:ext>
     </p:extLst>
   </p:cSld>
@@ -2159,7 +2159,7 @@
           <p:cNvPr id="2" name="标题 1">
             <a:extLst>
               <a:ext uri="{FF2B5EF4-FFF2-40B4-BE49-F238E27FC236}">
-                <a16:creationId xmlns:a16="http://schemas.microsoft.com/office/drawing/2014/main" id="{116C8953-6019-94C1-5DDC-148BFE872795}"/>
+                <a16:creationId xmlns:a16="http://schemas.microsoft.com/office/drawing/2014/main" id="{F35BF310-8F29-2F99-FA49-B64F05D242A3}"/>
               </a:ext>
             </a:extLst>
           </p:cNvPr>
@@ -2196,7 +2196,7 @@
           <p:cNvPr id="3" name="内容占位符 2">
             <a:extLst>
               <a:ext uri="{FF2B5EF4-FFF2-40B4-BE49-F238E27FC236}">
-                <a16:creationId xmlns:a16="http://schemas.microsoft.com/office/drawing/2014/main" id="{680EF695-EB58-92F1-9164-BCE3FDE99F06}"/>
+                <a16:creationId xmlns:a16="http://schemas.microsoft.com/office/drawing/2014/main" id="{2D40F8AC-5AF3-C484-CD4B-A6CF5724CC95}"/>
               </a:ext>
             </a:extLst>
           </p:cNvPr>
@@ -2286,7 +2286,7 @@
           <p:cNvPr id="4" name="文本占位符 3">
             <a:extLst>
               <a:ext uri="{FF2B5EF4-FFF2-40B4-BE49-F238E27FC236}">
-                <a16:creationId xmlns:a16="http://schemas.microsoft.com/office/drawing/2014/main" id="{B50BEEF7-F1F3-C0E9-9484-84655043690A}"/>
+                <a16:creationId xmlns:a16="http://schemas.microsoft.com/office/drawing/2014/main" id="{4661B552-E077-71C4-340A-01741A914FFB}"/>
               </a:ext>
             </a:extLst>
           </p:cNvPr>
@@ -2357,7 +2357,7 @@
           <p:cNvPr id="5" name="日期占位符 4">
             <a:extLst>
               <a:ext uri="{FF2B5EF4-FFF2-40B4-BE49-F238E27FC236}">
-                <a16:creationId xmlns:a16="http://schemas.microsoft.com/office/drawing/2014/main" id="{654B3CF4-A683-AEDE-DB91-C9188660AAE8}"/>
+                <a16:creationId xmlns:a16="http://schemas.microsoft.com/office/drawing/2014/main" id="{B9A20C27-7BC3-76D4-3F4C-5AF8CEA96B7F}"/>
               </a:ext>
             </a:extLst>
           </p:cNvPr>
@@ -2373,7 +2373,7 @@
           <a:bodyPr/>
           <a:lstStyle/>
           <a:p>
-            <a:fld id="{19C5EC51-96A1-4287-945A-6ABE90650A49}" type="datetimeFigureOut">
+            <a:fld id="{4C991BD7-FC54-4E11-A0F8-353025336ADA}" type="datetimeFigureOut">
               <a:rPr lang="zh-CN" altLang="en-US" smtClean="0"/>
               <a:t>2024/3/10</a:t>
             </a:fld>
@@ -2386,7 +2386,7 @@
           <p:cNvPr id="6" name="页脚占位符 5">
             <a:extLst>
               <a:ext uri="{FF2B5EF4-FFF2-40B4-BE49-F238E27FC236}">
-                <a16:creationId xmlns:a16="http://schemas.microsoft.com/office/drawing/2014/main" id="{61937F5B-75DE-6131-8421-3868AE8EC1FD}"/>
+                <a16:creationId xmlns:a16="http://schemas.microsoft.com/office/drawing/2014/main" id="{E5BF963B-AF46-F808-217F-B7C7E925B1BA}"/>
               </a:ext>
             </a:extLst>
           </p:cNvPr>
@@ -2411,7 +2411,7 @@
           <p:cNvPr id="7" name="灯片编号占位符 6">
             <a:extLst>
               <a:ext uri="{FF2B5EF4-FFF2-40B4-BE49-F238E27FC236}">
-                <a16:creationId xmlns:a16="http://schemas.microsoft.com/office/drawing/2014/main" id="{8613DEB0-EE7E-F446-3CEB-13AA7C65B76C}"/>
+                <a16:creationId xmlns:a16="http://schemas.microsoft.com/office/drawing/2014/main" id="{47B5DB67-4A32-B5B7-CB2C-B006906E1856}"/>
               </a:ext>
             </a:extLst>
           </p:cNvPr>
@@ -2427,7 +2427,7 @@
           <a:bodyPr/>
           <a:lstStyle/>
           <a:p>
-            <a:fld id="{772DB3A2-6B44-4E9D-A8AF-0D848670D527}" type="slidenum">
+            <a:fld id="{6530011B-F1F8-44E5-BBF4-29A3DBA71135}" type="slidenum">
               <a:rPr lang="zh-CN" altLang="en-US" smtClean="0"/>
               <a:t>‹#›</a:t>
             </a:fld>
@@ -2438,7 +2438,7 @@
     </p:spTree>
     <p:extLst>
       <p:ext uri="{BB962C8B-B14F-4D97-AF65-F5344CB8AC3E}">
-        <p14:creationId xmlns:p14="http://schemas.microsoft.com/office/powerpoint/2010/main" val="3075919095"/>
+        <p14:creationId xmlns:p14="http://schemas.microsoft.com/office/powerpoint/2010/main" val="2403058471"/>
       </p:ext>
     </p:extLst>
   </p:cSld>
@@ -2470,7 +2470,7 @@
           <p:cNvPr id="2" name="标题 1">
             <a:extLst>
               <a:ext uri="{FF2B5EF4-FFF2-40B4-BE49-F238E27FC236}">
-                <a16:creationId xmlns:a16="http://schemas.microsoft.com/office/drawing/2014/main" id="{9785477E-647A-2B14-A812-D450A2A147EE}"/>
+                <a16:creationId xmlns:a16="http://schemas.microsoft.com/office/drawing/2014/main" id="{39F1C612-A0ED-8A73-2668-08F80BB676D2}"/>
               </a:ext>
             </a:extLst>
           </p:cNvPr>
@@ -2507,7 +2507,7 @@
           <p:cNvPr id="3" name="图片占位符 2">
             <a:extLst>
               <a:ext uri="{FF2B5EF4-FFF2-40B4-BE49-F238E27FC236}">
-                <a16:creationId xmlns:a16="http://schemas.microsoft.com/office/drawing/2014/main" id="{E7FEDEC5-C8FD-95C0-6478-7A5FC3BCB38B}"/>
+                <a16:creationId xmlns:a16="http://schemas.microsoft.com/office/drawing/2014/main" id="{C56A4ADA-4B6D-E1D6-CF71-DF6361AF96BB}"/>
               </a:ext>
             </a:extLst>
           </p:cNvPr>
@@ -2574,7 +2574,7 @@
           <p:cNvPr id="4" name="文本占位符 3">
             <a:extLst>
               <a:ext uri="{FF2B5EF4-FFF2-40B4-BE49-F238E27FC236}">
-                <a16:creationId xmlns:a16="http://schemas.microsoft.com/office/drawing/2014/main" id="{EAB41302-84E8-718B-D805-23E44861A7B9}"/>
+                <a16:creationId xmlns:a16="http://schemas.microsoft.com/office/drawing/2014/main" id="{C393019D-8C51-2D9A-7EC8-C177043B9C4B}"/>
               </a:ext>
             </a:extLst>
           </p:cNvPr>
@@ -2645,7 +2645,7 @@
           <p:cNvPr id="5" name="日期占位符 4">
             <a:extLst>
               <a:ext uri="{FF2B5EF4-FFF2-40B4-BE49-F238E27FC236}">
-                <a16:creationId xmlns:a16="http://schemas.microsoft.com/office/drawing/2014/main" id="{5A3C7C5D-F382-B1F8-7565-20419B3C92FA}"/>
+                <a16:creationId xmlns:a16="http://schemas.microsoft.com/office/drawing/2014/main" id="{3DFBFDDA-CEF4-0215-4D96-27B05D57B892}"/>
               </a:ext>
             </a:extLst>
           </p:cNvPr>
@@ -2661,7 +2661,7 @@
           <a:bodyPr/>
           <a:lstStyle/>
           <a:p>
-            <a:fld id="{19C5EC51-96A1-4287-945A-6ABE90650A49}" type="datetimeFigureOut">
+            <a:fld id="{4C991BD7-FC54-4E11-A0F8-353025336ADA}" type="datetimeFigureOut">
               <a:rPr lang="zh-CN" altLang="en-US" smtClean="0"/>
               <a:t>2024/3/10</a:t>
             </a:fld>
@@ -2674,7 +2674,7 @@
           <p:cNvPr id="6" name="页脚占位符 5">
             <a:extLst>
               <a:ext uri="{FF2B5EF4-FFF2-40B4-BE49-F238E27FC236}">
-                <a16:creationId xmlns:a16="http://schemas.microsoft.com/office/drawing/2014/main" id="{1357B5B3-7A84-5859-39CE-9C1AB4FD7F15}"/>
+                <a16:creationId xmlns:a16="http://schemas.microsoft.com/office/drawing/2014/main" id="{88842310-4961-8F1C-5C10-1308BDAB2319}"/>
               </a:ext>
             </a:extLst>
           </p:cNvPr>
@@ -2699,7 +2699,7 @@
           <p:cNvPr id="7" name="灯片编号占位符 6">
             <a:extLst>
               <a:ext uri="{FF2B5EF4-FFF2-40B4-BE49-F238E27FC236}">
-                <a16:creationId xmlns:a16="http://schemas.microsoft.com/office/drawing/2014/main" id="{9E5596D8-69B6-E0A0-7877-85FE7B328DA8}"/>
+                <a16:creationId xmlns:a16="http://schemas.microsoft.com/office/drawing/2014/main" id="{E6C6B3E1-E3AE-E8C4-0967-443E322E0A9C}"/>
               </a:ext>
             </a:extLst>
           </p:cNvPr>
@@ -2715,7 +2715,7 @@
           <a:bodyPr/>
           <a:lstStyle/>
           <a:p>
-            <a:fld id="{772DB3A2-6B44-4E9D-A8AF-0D848670D527}" type="slidenum">
+            <a:fld id="{6530011B-F1F8-44E5-BBF4-29A3DBA71135}" type="slidenum">
               <a:rPr lang="zh-CN" altLang="en-US" smtClean="0"/>
               <a:t>‹#›</a:t>
             </a:fld>
@@ -2726,7 +2726,7 @@
     </p:spTree>
     <p:extLst>
       <p:ext uri="{BB962C8B-B14F-4D97-AF65-F5344CB8AC3E}">
-        <p14:creationId xmlns:p14="http://schemas.microsoft.com/office/powerpoint/2010/main" val="1868579478"/>
+        <p14:creationId xmlns:p14="http://schemas.microsoft.com/office/powerpoint/2010/main" val="72840837"/>
       </p:ext>
     </p:extLst>
   </p:cSld>
@@ -2763,7 +2763,7 @@
           <p:cNvPr id="2" name="标题占位符 1">
             <a:extLst>
               <a:ext uri="{FF2B5EF4-FFF2-40B4-BE49-F238E27FC236}">
-                <a16:creationId xmlns:a16="http://schemas.microsoft.com/office/drawing/2014/main" id="{1EF27AF1-2AB5-26D0-EAE7-7BFDC9390C92}"/>
+                <a16:creationId xmlns:a16="http://schemas.microsoft.com/office/drawing/2014/main" id="{E2C79793-9B41-120B-6AA6-9ADA31709BBE}"/>
               </a:ext>
             </a:extLst>
           </p:cNvPr>
@@ -2801,7 +2801,7 @@
           <p:cNvPr id="3" name="文本占位符 2">
             <a:extLst>
               <a:ext uri="{FF2B5EF4-FFF2-40B4-BE49-F238E27FC236}">
-                <a16:creationId xmlns:a16="http://schemas.microsoft.com/office/drawing/2014/main" id="{60115E95-561E-4359-6E20-CEED61DD9EE1}"/>
+                <a16:creationId xmlns:a16="http://schemas.microsoft.com/office/drawing/2014/main" id="{5278ED42-46C6-1E8A-FA42-24C99393D7C7}"/>
               </a:ext>
             </a:extLst>
           </p:cNvPr>
@@ -2868,7 +2868,7 @@
           <p:cNvPr id="4" name="日期占位符 3">
             <a:extLst>
               <a:ext uri="{FF2B5EF4-FFF2-40B4-BE49-F238E27FC236}">
-                <a16:creationId xmlns:a16="http://schemas.microsoft.com/office/drawing/2014/main" id="{9C8529D6-FF47-6B57-5085-1F9F3F7B71E4}"/>
+                <a16:creationId xmlns:a16="http://schemas.microsoft.com/office/drawing/2014/main" id="{50425061-2A27-5244-C150-3D9E9EA68F27}"/>
               </a:ext>
             </a:extLst>
           </p:cNvPr>
@@ -2902,7 +2902,7 @@
             </a:lvl1pPr>
           </a:lstStyle>
           <a:p>
-            <a:fld id="{19C5EC51-96A1-4287-945A-6ABE90650A49}" type="datetimeFigureOut">
+            <a:fld id="{4C991BD7-FC54-4E11-A0F8-353025336ADA}" type="datetimeFigureOut">
               <a:rPr lang="zh-CN" altLang="en-US" smtClean="0"/>
               <a:t>2024/3/10</a:t>
             </a:fld>
@@ -2915,7 +2915,7 @@
           <p:cNvPr id="5" name="页脚占位符 4">
             <a:extLst>
               <a:ext uri="{FF2B5EF4-FFF2-40B4-BE49-F238E27FC236}">
-                <a16:creationId xmlns:a16="http://schemas.microsoft.com/office/drawing/2014/main" id="{0510A040-F62D-F0D3-9429-9492448D105C}"/>
+                <a16:creationId xmlns:a16="http://schemas.microsoft.com/office/drawing/2014/main" id="{0FFB4598-1BAB-2269-4434-7AE6253C0C48}"/>
               </a:ext>
             </a:extLst>
           </p:cNvPr>
@@ -2958,7 +2958,7 @@
           <p:cNvPr id="6" name="灯片编号占位符 5">
             <a:extLst>
               <a:ext uri="{FF2B5EF4-FFF2-40B4-BE49-F238E27FC236}">
-                <a16:creationId xmlns:a16="http://schemas.microsoft.com/office/drawing/2014/main" id="{B1BA08C8-4D7E-0A57-5633-14AEAEE804C5}"/>
+                <a16:creationId xmlns:a16="http://schemas.microsoft.com/office/drawing/2014/main" id="{156AC5C2-28CC-4281-AE0A-16CF552034B2}"/>
               </a:ext>
             </a:extLst>
           </p:cNvPr>
@@ -2992,7 +2992,7 @@
             </a:lvl1pPr>
           </a:lstStyle>
           <a:p>
-            <a:fld id="{772DB3A2-6B44-4E9D-A8AF-0D848670D527}" type="slidenum">
+            <a:fld id="{6530011B-F1F8-44E5-BBF4-29A3DBA71135}" type="slidenum">
               <a:rPr lang="zh-CN" altLang="en-US" smtClean="0"/>
               <a:t>‹#›</a:t>
             </a:fld>
@@ -3003,7 +3003,7 @@
     </p:spTree>
     <p:extLst>
       <p:ext uri="{BB962C8B-B14F-4D97-AF65-F5344CB8AC3E}">
-        <p14:creationId xmlns:p14="http://schemas.microsoft.com/office/powerpoint/2010/main" val="3664575338"/>
+        <p14:creationId xmlns:p14="http://schemas.microsoft.com/office/powerpoint/2010/main" val="1578686932"/>
       </p:ext>
     </p:extLst>
   </p:cSld>
